--- a/Capstone Project 1.pptx
+++ b/Capstone Project 1.pptx
@@ -6369,7 +6369,11 @@
             </a:br>
             <a:r>
               <a:rPr lang="en-US" sz="2400" dirty="0" smtClean="0"/>
-              <a:t>July 26, 2019</a:t>
+              <a:t>September 26</a:t>
+            </a:r>
+            <a:r>
+              <a:rPr lang="en-US" sz="2400" dirty="0" smtClean="0"/>
+              <a:t>, 2019</a:t>
             </a:r>
             <a:endParaRPr lang="en-US" dirty="0"/>
           </a:p>
@@ -9917,54 +9921,6 @@
           </a:p>
         </p:txBody>
       </p:sp>
-      <p:pic>
-        <p:nvPicPr>
-          <p:cNvPr id="3" name="Picture 2"/>
-          <p:cNvPicPr>
-            <a:picLocks noChangeAspect="1"/>
-          </p:cNvPicPr>
-          <p:nvPr/>
-        </p:nvPicPr>
-        <p:blipFill>
-          <a:blip r:embed="rId3"/>
-          <a:stretch>
-            <a:fillRect/>
-          </a:stretch>
-        </p:blipFill>
-        <p:spPr>
-          <a:xfrm>
-            <a:off x="356010" y="3685433"/>
-            <a:ext cx="5740179" cy="1640051"/>
-          </a:xfrm>
-          <a:prstGeom prst="rect">
-            <a:avLst/>
-          </a:prstGeom>
-        </p:spPr>
-      </p:pic>
-      <p:pic>
-        <p:nvPicPr>
-          <p:cNvPr id="4" name="Picture 3"/>
-          <p:cNvPicPr>
-            <a:picLocks noChangeAspect="1"/>
-          </p:cNvPicPr>
-          <p:nvPr/>
-        </p:nvPicPr>
-        <p:blipFill>
-          <a:blip r:embed="rId4"/>
-          <a:stretch>
-            <a:fillRect/>
-          </a:stretch>
-        </p:blipFill>
-        <p:spPr>
-          <a:xfrm>
-            <a:off x="6077813" y="3792107"/>
-            <a:ext cx="5020822" cy="1477647"/>
-          </a:xfrm>
-          <a:prstGeom prst="rect">
-            <a:avLst/>
-          </a:prstGeom>
-        </p:spPr>
-      </p:pic>
       <p:sp>
         <p:nvSpPr>
           <p:cNvPr id="11" name="TextBox 10"/>
@@ -10004,7 +9960,7 @@
         <p:spPr>
           <a:xfrm>
             <a:off x="356010" y="3628270"/>
-            <a:ext cx="10742625" cy="45719"/>
+            <a:ext cx="11014070" cy="45719"/>
           </a:xfrm>
           <a:prstGeom prst="rect">
             <a:avLst/>
@@ -10042,6 +9998,54 @@
           </a:p>
         </p:txBody>
       </p:sp>
+      <p:pic>
+        <p:nvPicPr>
+          <p:cNvPr id="2" name="Picture 1"/>
+          <p:cNvPicPr>
+            <a:picLocks noChangeAspect="1"/>
+          </p:cNvPicPr>
+          <p:nvPr/>
+        </p:nvPicPr>
+        <p:blipFill>
+          <a:blip r:embed="rId3"/>
+          <a:stretch>
+            <a:fillRect/>
+          </a:stretch>
+        </p:blipFill>
+        <p:spPr>
+          <a:xfrm>
+            <a:off x="356010" y="3792108"/>
+            <a:ext cx="5721803" cy="1621598"/>
+          </a:xfrm>
+          <a:prstGeom prst="rect">
+            <a:avLst/>
+          </a:prstGeom>
+        </p:spPr>
+      </p:pic>
+      <p:pic>
+        <p:nvPicPr>
+          <p:cNvPr id="6" name="Picture 5"/>
+          <p:cNvPicPr>
+            <a:picLocks noChangeAspect="1"/>
+          </p:cNvPicPr>
+          <p:nvPr/>
+        </p:nvPicPr>
+        <p:blipFill>
+          <a:blip r:embed="rId4"/>
+          <a:stretch>
+            <a:fillRect/>
+          </a:stretch>
+        </p:blipFill>
+        <p:spPr>
+          <a:xfrm>
+            <a:off x="6046528" y="3792108"/>
+            <a:ext cx="5359808" cy="1621598"/>
+          </a:xfrm>
+          <a:prstGeom prst="rect">
+            <a:avLst/>
+          </a:prstGeom>
+        </p:spPr>
+      </p:pic>
     </p:spTree>
     <p:extLst>
       <p:ext uri="{BB962C8B-B14F-4D97-AF65-F5344CB8AC3E}">
